--- a/Lectures/py_lec_1.pptx
+++ b/Lectures/py_lec_1.pptx
@@ -19660,7 +19660,7 @@
           <p:spPr bwMode="auto">
             <a:xfrm>
               <a:off x="5221371" y="4418874"/>
-              <a:ext cx="1238272" cy="0"/>
+              <a:ext cx="1238271" cy="0"/>
             </a:xfrm>
             <a:prstGeom prst="line">
               <a:avLst/>
@@ -19810,7 +19810,7 @@
           </p:nvSpPr>
           <p:spPr bwMode="auto">
             <a:xfrm>
-              <a:off x="6459644" y="4762270"/>
+              <a:off x="6459644" y="4762269"/>
               <a:ext cx="1274677" cy="408233"/>
             </a:xfrm>
             <a:prstGeom prst="roundRect">
@@ -23159,7 +23159,7 @@
           <p:spPr bwMode="auto">
             <a:xfrm>
               <a:off x="1995109" y="4400975"/>
-              <a:ext cx="3175376" cy="437784"/>
+              <a:ext cx="3175376" cy="437783"/>
             </a:xfrm>
             <a:prstGeom prst="rect">
               <a:avLst/>
@@ -23634,8 +23634,8 @@
           </p:nvCxnSpPr>
           <p:spPr bwMode="auto">
             <a:xfrm flipH="1" flipV="1">
-              <a:off x="3648306" y="5085853"/>
-              <a:ext cx="641" cy="219580"/>
+              <a:off x="3648305" y="5085852"/>
+              <a:ext cx="641" cy="219579"/>
             </a:xfrm>
             <a:prstGeom prst="straightConnector1">
               <a:avLst/>
@@ -23783,7 +23783,7 @@
           <p:spPr bwMode="auto">
             <a:xfrm>
               <a:off x="2011083" y="1636317"/>
-              <a:ext cx="3175376" cy="437784"/>
+              <a:ext cx="3175376" cy="437783"/>
             </a:xfrm>
             <a:prstGeom prst="rect">
               <a:avLst/>
@@ -24003,7 +24003,7 @@
           </p:nvSpPr>
           <p:spPr bwMode="auto">
             <a:xfrm>
-              <a:off x="3143016" y="2673393"/>
+              <a:off x="3143016" y="2673392"/>
               <a:ext cx="1010578" cy="314991"/>
             </a:xfrm>
             <a:prstGeom prst="roundRect">
@@ -24061,7 +24061,7 @@
           </p:nvSpPr>
           <p:spPr bwMode="auto">
             <a:xfrm>
-              <a:off x="3143016" y="3111342"/>
+              <a:off x="3143016" y="3111341"/>
               <a:ext cx="1010578" cy="314991"/>
             </a:xfrm>
             <a:prstGeom prst="roundRect">
@@ -24181,7 +24181,7 @@
           </p:nvCxnSpPr>
           <p:spPr bwMode="auto">
             <a:xfrm>
-              <a:off x="3648306" y="2988384"/>
+              <a:off x="3648305" y="2988384"/>
               <a:ext cx="0" cy="122958"/>
             </a:xfrm>
             <a:prstGeom prst="line">
@@ -24220,7 +24220,7 @@
           </p:nvCxnSpPr>
           <p:spPr bwMode="auto">
             <a:xfrm>
-              <a:off x="3648306" y="3426333"/>
+              <a:off x="3648305" y="3426333"/>
               <a:ext cx="0" cy="103640"/>
             </a:xfrm>
             <a:prstGeom prst="line">
@@ -24258,8 +24258,8 @@
           </p:nvCxnSpPr>
           <p:spPr bwMode="auto">
             <a:xfrm flipH="1" flipV="1">
-              <a:off x="3648306" y="2370261"/>
-              <a:ext cx="641" cy="219580"/>
+              <a:off x="3648305" y="2370261"/>
+              <a:ext cx="641" cy="219579"/>
             </a:xfrm>
             <a:prstGeom prst="straightConnector1">
               <a:avLst/>
@@ -24299,7 +24299,7 @@
           </p:nvCxnSpPr>
           <p:spPr bwMode="auto">
             <a:xfrm flipH="1" flipV="1">
-              <a:off x="5178967" y="2806377"/>
+              <a:off x="5178966" y="2806377"/>
               <a:ext cx="1862280" cy="1293806"/>
             </a:xfrm>
             <a:prstGeom prst="straightConnector1">
@@ -25643,7 +25643,7 @@
           </p:nvCxnSpPr>
           <p:spPr bwMode="auto">
             <a:xfrm>
-              <a:off x="3843023" y="3528825"/>
+              <a:off x="3843023" y="3528824"/>
               <a:ext cx="0" cy="445644"/>
             </a:xfrm>
             <a:prstGeom prst="line">
@@ -25721,7 +25721,7 @@
           </p:nvCxnSpPr>
           <p:spPr bwMode="auto">
             <a:xfrm flipH="1">
-              <a:off x="6312533" y="3528825"/>
+              <a:off x="6312533" y="3528824"/>
               <a:ext cx="510" cy="436707"/>
             </a:xfrm>
             <a:prstGeom prst="line">
@@ -25944,7 +25944,7 @@
         <p:spPr bwMode="auto">
           <a:xfrm>
             <a:off x="251789" y="906462"/>
-            <a:ext cx="11688419" cy="1569659"/>
+            <a:ext cx="11688419" cy="1569658"/>
           </a:xfrm>
           <a:prstGeom prst="rect">
             <a:avLst/>
@@ -26666,7 +26666,7 @@
             </p:nvSpPr>
             <p:spPr bwMode="auto">
               <a:xfrm>
-                <a:off x="645865" y="3191311"/>
+                <a:off x="645864" y="3191311"/>
                 <a:ext cx="1906206" cy="848028"/>
               </a:xfrm>
               <a:prstGeom prst="roundRect">
@@ -27424,7 +27424,7 @@
             <p:spPr bwMode="auto">
               <a:xfrm>
                 <a:off x="1092855" y="3140528"/>
-                <a:ext cx="943204" cy="369331"/>
+                <a:ext cx="943203" cy="369331"/>
               </a:xfrm>
               <a:prstGeom prst="rect">
                 <a:avLst/>
@@ -27677,7 +27677,7 @@
             <p:spPr bwMode="auto">
               <a:xfrm>
                 <a:off x="4756168" y="3344846"/>
-                <a:ext cx="943204" cy="369331"/>
+                <a:ext cx="943203" cy="369331"/>
               </a:xfrm>
               <a:prstGeom prst="rect">
                 <a:avLst/>
@@ -28153,7 +28153,7 @@
             <p:spPr bwMode="auto">
               <a:xfrm>
                 <a:off x="7318362" y="3344846"/>
-                <a:ext cx="943204" cy="369331"/>
+                <a:ext cx="943203" cy="369331"/>
               </a:xfrm>
               <a:prstGeom prst="rect">
                 <a:avLst/>
@@ -28327,7 +28327,7 @@
             </p:nvSpPr>
             <p:spPr bwMode="auto">
               <a:xfrm>
-                <a:off x="9315267" y="2637635"/>
+                <a:off x="9315267" y="2637634"/>
                 <a:ext cx="2117469" cy="2133667"/>
               </a:xfrm>
               <a:prstGeom prst="roundRect">
@@ -28457,7 +28457,7 @@
             <p:spPr bwMode="auto">
               <a:xfrm>
                 <a:off x="9874198" y="3356937"/>
-                <a:ext cx="943204" cy="369331"/>
+                <a:ext cx="943203" cy="369331"/>
               </a:xfrm>
               <a:prstGeom prst="rect">
                 <a:avLst/>
@@ -29977,7 +29977,7 @@
           </p:nvSpPr>
           <p:spPr bwMode="auto">
             <a:xfrm>
-              <a:off x="645865" y="3509815"/>
+              <a:off x="645864" y="3509815"/>
               <a:ext cx="1906206" cy="1435606"/>
             </a:xfrm>
             <a:prstGeom prst="roundRect">
@@ -30106,7 +30106,7 @@
           </p:nvSpPr>
           <p:spPr bwMode="auto">
             <a:xfrm>
-              <a:off x="3226770" y="2326707"/>
+              <a:off x="3226769" y="2326707"/>
               <a:ext cx="7828228" cy="411897"/>
             </a:xfrm>
             <a:prstGeom prst="rect">
@@ -30330,7 +30330,7 @@
           <p:spPr bwMode="auto">
             <a:xfrm>
               <a:off x="3527852" y="2986443"/>
-              <a:ext cx="2092131" cy="720820"/>
+              <a:ext cx="2092131" cy="720819"/>
             </a:xfrm>
             <a:prstGeom prst="rect">
               <a:avLst/>
@@ -30715,7 +30715,7 @@
           <p:spPr bwMode="auto">
             <a:xfrm>
               <a:off x="9664590" y="3004863"/>
-              <a:ext cx="2117468" cy="720820"/>
+              <a:ext cx="2117468" cy="720819"/>
             </a:xfrm>
             <a:prstGeom prst="rect">
               <a:avLst/>
@@ -30909,7 +30909,7 @@
           <p:spPr bwMode="auto">
             <a:xfrm>
               <a:off x="1092855" y="3459031"/>
-              <a:ext cx="943204" cy="411897"/>
+              <a:ext cx="943203" cy="411897"/>
             </a:xfrm>
             <a:prstGeom prst="rect">
               <a:avLst/>
@@ -31162,7 +31162,7 @@
           <p:spPr bwMode="auto">
             <a:xfrm>
               <a:off x="4067803" y="3663351"/>
-              <a:ext cx="943204" cy="411897"/>
+              <a:ext cx="943203" cy="411897"/>
             </a:xfrm>
             <a:prstGeom prst="rect">
               <a:avLst/>
@@ -31638,7 +31638,7 @@
           <p:spPr bwMode="auto">
             <a:xfrm>
               <a:off x="6537529" y="3663351"/>
-              <a:ext cx="943204" cy="411897"/>
+              <a:ext cx="943203" cy="411897"/>
             </a:xfrm>
             <a:prstGeom prst="rect">
               <a:avLst/>
@@ -31942,7 +31942,7 @@
           <p:spPr bwMode="auto">
             <a:xfrm>
               <a:off x="10223521" y="3675440"/>
-              <a:ext cx="943204" cy="411897"/>
+              <a:ext cx="943203" cy="411897"/>
             </a:xfrm>
             <a:prstGeom prst="rect">
               <a:avLst/>
@@ -34492,7 +34492,7 @@
         <p:spPr bwMode="auto">
           <a:xfrm>
             <a:off x="3319261" y="2459542"/>
-            <a:ext cx="695324" cy="642937"/>
+            <a:ext cx="695323" cy="642936"/>
           </a:xfrm>
           <a:prstGeom prst="rect">
             <a:avLst/>
@@ -34689,7 +34689,7 @@
         <p:spPr bwMode="auto">
           <a:xfrm>
             <a:off x="3361271" y="5288727"/>
-            <a:ext cx="711949" cy="586877"/>
+            <a:ext cx="711949" cy="586876"/>
           </a:xfrm>
           <a:prstGeom prst="rect">
             <a:avLst/>
@@ -34768,7 +34768,7 @@
         </p:nvSpPr>
         <p:spPr bwMode="auto">
           <a:xfrm>
-            <a:off x="4111350" y="4758664"/>
+            <a:off x="4111350" y="4758663"/>
             <a:ext cx="3379575" cy="338553"/>
           </a:xfrm>
           <a:prstGeom prst="rect">
@@ -34982,7 +34982,7 @@
           <p:nvPr/>
         </p:nvSpPr>
         <p:spPr bwMode="auto">
-          <a:xfrm rot="10799990">
+          <a:xfrm rot="10799989">
             <a:off x="8719862" y="2822118"/>
             <a:ext cx="189437" cy="1765767"/>
           </a:xfrm>
@@ -35164,7 +35164,7 @@
           <p:nvPr/>
         </p:nvSpPr>
         <p:spPr bwMode="auto">
-          <a:xfrm rot="5399978">
+          <a:xfrm rot="5399977">
             <a:off x="4438711" y="1849561"/>
             <a:ext cx="182919" cy="950221"/>
           </a:xfrm>
@@ -35295,7 +35295,7 @@
         <p:spPr bwMode="auto">
           <a:xfrm>
             <a:off x="6055565" y="3103707"/>
-            <a:ext cx="1584174" cy="1654956"/>
+            <a:ext cx="1584174" cy="1654955"/>
           </a:xfrm>
           <a:prstGeom prst="straightConnector1">
             <a:avLst/>
@@ -35367,7 +35367,7 @@
           <p:nvPr/>
         </p:nvSpPr>
         <p:spPr bwMode="auto">
-          <a:xfrm rot="5399978">
+          <a:xfrm rot="5399977">
             <a:off x="7343911" y="1829286"/>
             <a:ext cx="182919" cy="950221"/>
           </a:xfrm>
@@ -39099,8 +39099,8 @@
         </p:nvSpPr>
         <p:spPr bwMode="auto">
           <a:xfrm>
-            <a:off x="178903" y="1015791"/>
-            <a:ext cx="11738113" cy="5786197"/>
+            <a:off x="178902" y="1015790"/>
+            <a:ext cx="11738472" cy="5728821"/>
           </a:xfrm>
           <a:prstGeom prst="rect">
             <a:avLst/>
@@ -39371,7 +39371,7 @@
                 <a:latin typeface="Calibri"/>
                 <a:hlinkClick r:id="rId2" tooltip="https://gitscm.com/download"/>
               </a:rPr>
-              <a:t>https://gitscm.com/download</a:t>
+              <a:t>https://git-scm.com/downloads</a:t>
             </a:r>
             <a:r>
               <a:rPr lang="en-US" sz="2000">
